--- a/CITI Neueda Presentation (1).pptx
+++ b/CITI Neueda Presentation (1).pptx
@@ -239,7 +239,7 @@
           <a:p>
             <a:fld id="{B7268E1E-0E44-426D-905E-8AD9B19D2182}" type="datetimeFigureOut">
               <a:rPr lang="cs-CZ" smtClean="0"/>
-              <a:t>28.06.2023</a:t>
+              <a:t>29.06.2023</a:t>
             </a:fld>
             <a:endParaRPr lang="cs-CZ"/>
           </a:p>
@@ -646,7 +646,7 @@
           <a:lstStyle/>
           <a:p>
             <a:r>
-              <a:rPr lang="en-US"/>
+              <a:rPr lang="en-US" dirty="0"/>
               <a:t>A borrower defaults on a loan when they stop making payments on their loan. For most loans this means the borrower hasn't made several consecutive payments, breaking the terms of the agreement. The point when a loan is considered to be in default depends on the type and terms of the loan. In our case the type of loan that the data is based on has not been specified.</a:t>
             </a:r>
           </a:p>
@@ -819,8 +819,8 @@
         </p:nvSpPr>
         <p:spPr>
           <a:xfrm>
-            <a:off x="2857500" y="512763"/>
-            <a:ext cx="3429000" cy="2566987"/>
+            <a:off x="2290763" y="512763"/>
+            <a:ext cx="4562475" cy="2566987"/>
           </a:xfrm>
           <a:prstGeom prst="rect">
             <a:avLst/>
@@ -864,7 +864,7 @@
           <a:lstStyle/>
           <a:p>
             <a:r>
-              <a:rPr lang="en-US"/>
+              <a:rPr lang="en-US" dirty="0"/>
               <a:t>the data was provided by univ.ai an independent AI and data science learning program. The data consists of 28 thousand samples with each samples having 13 attributes including a binary default attribute that represents if a sample defaulted or not, some other attributes include age, income, profession, geographic data, and data about owned property and marital status.</a:t>
             </a:r>
           </a:p>
@@ -936,6 +936,98 @@
         </p:txBody>
       </p:sp>
     </p:spTree>
+  </p:cSld>
+  <p:clrMapOvr>
+    <a:masterClrMapping/>
+  </p:clrMapOvr>
+</p:notes>
+</file>
+
+<file path=ppt/notesSlides/notesSlide3.xml><?xml version="1.0" encoding="utf-8"?>
+<p:notes xmlns:a="http://schemas.openxmlformats.org/drawingml/2006/main" xmlns:r="http://schemas.openxmlformats.org/officeDocument/2006/relationships" xmlns:p="http://schemas.openxmlformats.org/presentationml/2006/main">
+  <p:cSld>
+    <p:spTree>
+      <p:nvGrpSpPr>
+        <p:cNvPr id="1" name=""/>
+        <p:cNvGrpSpPr/>
+        <p:nvPr/>
+      </p:nvGrpSpPr>
+      <p:grpSpPr>
+        <a:xfrm>
+          <a:off x="0" y="0"/>
+          <a:ext cx="0" cy="0"/>
+          <a:chOff x="0" y="0"/>
+          <a:chExt cx="0" cy="0"/>
+        </a:xfrm>
+      </p:grpSpPr>
+      <p:sp>
+        <p:nvSpPr>
+          <p:cNvPr id="2" name="Slide Image Placeholder 1"/>
+          <p:cNvSpPr>
+            <a:spLocks noGrp="1" noRot="1" noChangeAspect="1"/>
+          </p:cNvSpPr>
+          <p:nvPr>
+            <p:ph type="sldImg"/>
+          </p:nvPr>
+        </p:nvSpPr>
+        <p:spPr>
+          <a:xfrm>
+            <a:off x="2290763" y="512763"/>
+            <a:ext cx="4562475" cy="2566987"/>
+          </a:xfrm>
+        </p:spPr>
+      </p:sp>
+      <p:sp>
+        <p:nvSpPr>
+          <p:cNvPr id="3" name="Notes Placeholder 2"/>
+          <p:cNvSpPr>
+            <a:spLocks noGrp="1"/>
+          </p:cNvSpPr>
+          <p:nvPr>
+            <p:ph type="body" idx="1"/>
+          </p:nvPr>
+        </p:nvSpPr>
+        <p:spPr/>
+        <p:txBody>
+          <a:bodyPr/>
+          <a:lstStyle/>
+          <a:p>
+            <a:r>
+              <a:rPr lang="en-US" dirty="0"/>
+              <a:t>Repeat the hypothesis. Strong indicators are house ownership, marriage, young age and low experience. Weak indictors are occupation, location, Income and car ownership. Explain this a bit too</a:t>
+            </a:r>
+          </a:p>
+        </p:txBody>
+      </p:sp>
+      <p:sp>
+        <p:nvSpPr>
+          <p:cNvPr id="4" name="Slide Number Placeholder 3"/>
+          <p:cNvSpPr>
+            <a:spLocks noGrp="1"/>
+          </p:cNvSpPr>
+          <p:nvPr>
+            <p:ph type="sldNum" sz="quarter" idx="5"/>
+          </p:nvPr>
+        </p:nvSpPr>
+        <p:spPr/>
+        <p:txBody>
+          <a:bodyPr/>
+          <a:lstStyle/>
+          <a:p>
+            <a:fld id="{871B2431-D351-4C6E-A3CF-9DFAC0E3E050}" type="slidenum">
+              <a:rPr lang="cs-CZ" smtClean="0"/>
+              <a:t>10</a:t>
+            </a:fld>
+            <a:endParaRPr lang="cs-CZ"/>
+          </a:p>
+        </p:txBody>
+      </p:sp>
+    </p:spTree>
+    <p:extLst>
+      <p:ext uri="{BB962C8B-B14F-4D97-AF65-F5344CB8AC3E}">
+        <p14:creationId xmlns:p14="http://schemas.microsoft.com/office/powerpoint/2010/main" val="1533512637"/>
+      </p:ext>
+    </p:extLst>
   </p:cSld>
   <p:clrMapOvr>
     <a:masterClrMapping/>
@@ -1123,7 +1215,7 @@
             <a:fld id="{1D8BD707-D9CF-40AE-B4C6-C98DA3205C09}" type="datetimeFigureOut">
               <a:rPr lang="en-US" smtClean="0"/>
               <a:pPr/>
-              <a:t>6/28/2023</a:t>
+              <a:t>6/29/2023</a:t>
             </a:fld>
             <a:endParaRPr lang="en-US"/>
           </a:p>
@@ -1288,7 +1380,7 @@
             <a:fld id="{1D8BD707-D9CF-40AE-B4C6-C98DA3205C09}" type="datetimeFigureOut">
               <a:rPr lang="en-US" smtClean="0"/>
               <a:pPr/>
-              <a:t>6/28/2023</a:t>
+              <a:t>6/29/2023</a:t>
             </a:fld>
             <a:endParaRPr lang="en-US"/>
           </a:p>
@@ -1463,7 +1555,7 @@
             <a:fld id="{1D8BD707-D9CF-40AE-B4C6-C98DA3205C09}" type="datetimeFigureOut">
               <a:rPr lang="en-US" smtClean="0"/>
               <a:pPr/>
-              <a:t>6/28/2023</a:t>
+              <a:t>6/29/2023</a:t>
             </a:fld>
             <a:endParaRPr lang="en-US"/>
           </a:p>
@@ -1628,7 +1720,7 @@
             <a:fld id="{1D8BD707-D9CF-40AE-B4C6-C98DA3205C09}" type="datetimeFigureOut">
               <a:rPr lang="en-US" smtClean="0"/>
               <a:pPr/>
-              <a:t>6/28/2023</a:t>
+              <a:t>6/29/2023</a:t>
             </a:fld>
             <a:endParaRPr lang="en-US"/>
           </a:p>
@@ -1870,7 +1962,7 @@
             <a:fld id="{1D8BD707-D9CF-40AE-B4C6-C98DA3205C09}" type="datetimeFigureOut">
               <a:rPr lang="en-US" smtClean="0"/>
               <a:pPr/>
-              <a:t>6/28/2023</a:t>
+              <a:t>6/29/2023</a:t>
             </a:fld>
             <a:endParaRPr lang="en-US"/>
           </a:p>
@@ -2152,7 +2244,7 @@
             <a:fld id="{1D8BD707-D9CF-40AE-B4C6-C98DA3205C09}" type="datetimeFigureOut">
               <a:rPr lang="en-US" smtClean="0"/>
               <a:pPr/>
-              <a:t>6/28/2023</a:t>
+              <a:t>6/29/2023</a:t>
             </a:fld>
             <a:endParaRPr lang="en-US"/>
           </a:p>
@@ -2568,7 +2660,7 @@
             <a:fld id="{1D8BD707-D9CF-40AE-B4C6-C98DA3205C09}" type="datetimeFigureOut">
               <a:rPr lang="en-US" smtClean="0"/>
               <a:pPr/>
-              <a:t>6/28/2023</a:t>
+              <a:t>6/29/2023</a:t>
             </a:fld>
             <a:endParaRPr lang="en-US"/>
           </a:p>
@@ -2682,7 +2774,7 @@
             <a:fld id="{1D8BD707-D9CF-40AE-B4C6-C98DA3205C09}" type="datetimeFigureOut">
               <a:rPr lang="en-US" smtClean="0"/>
               <a:pPr/>
-              <a:t>6/28/2023</a:t>
+              <a:t>6/29/2023</a:t>
             </a:fld>
             <a:endParaRPr lang="en-US"/>
           </a:p>
@@ -2774,7 +2866,7 @@
             <a:fld id="{1D8BD707-D9CF-40AE-B4C6-C98DA3205C09}" type="datetimeFigureOut">
               <a:rPr lang="en-US" smtClean="0"/>
               <a:pPr/>
-              <a:t>6/28/2023</a:t>
+              <a:t>6/29/2023</a:t>
             </a:fld>
             <a:endParaRPr lang="en-US"/>
           </a:p>
@@ -3046,7 +3138,7 @@
             <a:fld id="{1D8BD707-D9CF-40AE-B4C6-C98DA3205C09}" type="datetimeFigureOut">
               <a:rPr lang="en-US" smtClean="0"/>
               <a:pPr/>
-              <a:t>6/28/2023</a:t>
+              <a:t>6/29/2023</a:t>
             </a:fld>
             <a:endParaRPr lang="en-US"/>
           </a:p>
@@ -3295,7 +3387,7 @@
             <a:fld id="{1D8BD707-D9CF-40AE-B4C6-C98DA3205C09}" type="datetimeFigureOut">
               <a:rPr lang="en-US" smtClean="0"/>
               <a:pPr/>
-              <a:t>6/28/2023</a:t>
+              <a:t>6/29/2023</a:t>
             </a:fld>
             <a:endParaRPr lang="en-US"/>
           </a:p>
@@ -3503,7 +3595,7 @@
             <a:fld id="{1D8BD707-D9CF-40AE-B4C6-C98DA3205C09}" type="datetimeFigureOut">
               <a:rPr lang="en-US" smtClean="0"/>
               <a:pPr/>
-              <a:t>6/28/2023</a:t>
+              <a:t>6/29/2023</a:t>
             </a:fld>
             <a:endParaRPr lang="en-US"/>
           </a:p>
@@ -4099,43 +4191,163 @@
           <a:chExt cx="0" cy="0"/>
         </a:xfrm>
       </p:grpSpPr>
-      <p:sp>
-        <p:nvSpPr>
-          <p:cNvPr id="2" name="TextBox 2"/>
+      <p:pic>
+        <p:nvPicPr>
+          <p:cNvPr id="3" name="Picture 2">
+            <a:extLst>
+              <a:ext uri="{FF2B5EF4-FFF2-40B4-BE49-F238E27FC236}">
+                <a16:creationId xmlns:a16="http://schemas.microsoft.com/office/drawing/2014/main" id="{DCE316FD-A588-E164-BDB3-050E1740519D}"/>
+              </a:ext>
+            </a:extLst>
+          </p:cNvPr>
+          <p:cNvPicPr>
+            <a:picLocks noChangeAspect="1"/>
+          </p:cNvPicPr>
+          <p:nvPr/>
+        </p:nvPicPr>
+        <p:blipFill>
+          <a:blip r:embed="rId3"/>
+          <a:stretch>
+            <a:fillRect/>
+          </a:stretch>
+        </p:blipFill>
+        <p:spPr>
+          <a:xfrm>
+            <a:off x="0" y="0"/>
+            <a:ext cx="9465671" cy="10287000"/>
+          </a:xfrm>
+          <a:prstGeom prst="rect">
+            <a:avLst/>
+          </a:prstGeom>
+        </p:spPr>
+      </p:pic>
+      <p:sp>
+        <p:nvSpPr>
+          <p:cNvPr id="5" name="TextBox 4">
+            <a:extLst>
+              <a:ext uri="{FF2B5EF4-FFF2-40B4-BE49-F238E27FC236}">
+                <a16:creationId xmlns:a16="http://schemas.microsoft.com/office/drawing/2014/main" id="{795E4C54-6D2C-82FF-70E8-BB11524BFB79}"/>
+              </a:ext>
+            </a:extLst>
+          </p:cNvPr>
           <p:cNvSpPr txBox="1"/>
           <p:nvPr/>
         </p:nvSpPr>
         <p:spPr>
           <a:xfrm>
-            <a:off x="6799734" y="4900612"/>
-            <a:ext cx="4688532" cy="485775"/>
+            <a:off x="821329" y="1661147"/>
+            <a:ext cx="7415784" cy="1631216"/>
           </a:xfrm>
           <a:prstGeom prst="rect">
             <a:avLst/>
           </a:prstGeom>
-        </p:spPr>
-        <p:txBody>
-          <a:bodyPr lIns="0" tIns="0" rIns="0" bIns="0" rtlCol="0" anchor="t">
+          <a:noFill/>
+        </p:spPr>
+        <p:txBody>
+          <a:bodyPr wrap="square" rtlCol="0">
             <a:spAutoFit/>
           </a:bodyPr>
           <a:lstStyle/>
           <a:p>
-            <a:pPr algn="ctr">
-              <a:lnSpc>
-                <a:spcPts val="3840"/>
-              </a:lnSpc>
-              <a:spcBef>
-                <a:spcPct val="0"/>
-              </a:spcBef>
-            </a:pPr>
-            <a:r>
-              <a:rPr lang="en-US" sz="3200" spc="320">
+            <a:r>
+              <a:rPr lang="en-US" sz="10000" dirty="0">
                 <a:solidFill>
-                  <a:srgbClr val="000000"/>
+                  <a:schemeClr val="bg1"/>
                 </a:solidFill>
-                <a:latin typeface="Montserrat Light"/>
+                <a:latin typeface="League Gothic" panose="020B0604020202020204" charset="0"/>
               </a:rPr>
-              <a:t>CONCLUSION SLIDE</a:t>
+              <a:t>Strong</a:t>
+            </a:r>
+            <a:r>
+              <a:rPr lang="en-US" dirty="0"/>
+              <a:t> </a:t>
+            </a:r>
+            <a:r>
+              <a:rPr lang="en-US" sz="10000" dirty="0">
+                <a:solidFill>
+                  <a:schemeClr val="bg1"/>
+                </a:solidFill>
+                <a:latin typeface="League Gothic" panose="020B0604020202020204" charset="0"/>
+              </a:rPr>
+              <a:t>Indicators?</a:t>
+            </a:r>
+            <a:endParaRPr lang="en-US" dirty="0"/>
+          </a:p>
+        </p:txBody>
+      </p:sp>
+      <p:sp>
+        <p:nvSpPr>
+          <p:cNvPr id="6" name="TextBox 5">
+            <a:extLst>
+              <a:ext uri="{FF2B5EF4-FFF2-40B4-BE49-F238E27FC236}">
+                <a16:creationId xmlns:a16="http://schemas.microsoft.com/office/drawing/2014/main" id="{F5675A7A-6C9E-B310-77AF-5D2DF4621CEE}"/>
+              </a:ext>
+            </a:extLst>
+          </p:cNvPr>
+          <p:cNvSpPr txBox="1"/>
+          <p:nvPr/>
+        </p:nvSpPr>
+        <p:spPr>
+          <a:xfrm>
+            <a:off x="914400" y="5905500"/>
+            <a:ext cx="8322671" cy="1631216"/>
+          </a:xfrm>
+          <a:prstGeom prst="rect">
+            <a:avLst/>
+          </a:prstGeom>
+          <a:noFill/>
+        </p:spPr>
+        <p:txBody>
+          <a:bodyPr wrap="square" rtlCol="0">
+            <a:spAutoFit/>
+          </a:bodyPr>
+          <a:lstStyle/>
+          <a:p>
+            <a:r>
+              <a:rPr lang="en-US" sz="10000" dirty="0">
+                <a:solidFill>
+                  <a:schemeClr val="bg1"/>
+                </a:solidFill>
+                <a:latin typeface="League Gothic" panose="020B0604020202020204" charset="0"/>
+              </a:rPr>
+              <a:t>Weak Indicators?</a:t>
+            </a:r>
+          </a:p>
+        </p:txBody>
+      </p:sp>
+      <p:sp>
+        <p:nvSpPr>
+          <p:cNvPr id="7" name="TextBox 6">
+            <a:extLst>
+              <a:ext uri="{FF2B5EF4-FFF2-40B4-BE49-F238E27FC236}">
+                <a16:creationId xmlns:a16="http://schemas.microsoft.com/office/drawing/2014/main" id="{F238183F-081B-0E04-14CF-AF823EA93BAF}"/>
+              </a:ext>
+            </a:extLst>
+          </p:cNvPr>
+          <p:cNvSpPr txBox="1"/>
+          <p:nvPr/>
+        </p:nvSpPr>
+        <p:spPr>
+          <a:xfrm>
+            <a:off x="11734800" y="4457700"/>
+            <a:ext cx="5791200" cy="1631216"/>
+          </a:xfrm>
+          <a:prstGeom prst="rect">
+            <a:avLst/>
+          </a:prstGeom>
+          <a:noFill/>
+        </p:spPr>
+        <p:txBody>
+          <a:bodyPr wrap="square" rtlCol="0">
+            <a:spAutoFit/>
+          </a:bodyPr>
+          <a:lstStyle/>
+          <a:p>
+            <a:r>
+              <a:rPr lang="en-US" sz="10000" dirty="0">
+                <a:latin typeface="League Gothic" panose="020B0604020202020204" charset="0"/>
+              </a:rPr>
+              <a:t>Conclusion</a:t>
             </a:r>
           </a:p>
         </p:txBody>
@@ -4149,7 +4361,7 @@
 </file>
 
 <file path=ppt/slides/slide11.xml><?xml version="1.0" encoding="utf-8"?>
-<p:sld xmlns:a="http://schemas.openxmlformats.org/drawingml/2006/main" xmlns:r="http://schemas.openxmlformats.org/officeDocument/2006/relationships" xmlns:p="http://schemas.openxmlformats.org/presentationml/2006/main">
+<p:sld xmlns:a="http://schemas.openxmlformats.org/drawingml/2006/main" xmlns:r="http://schemas.openxmlformats.org/officeDocument/2006/relationships" xmlns:p="http://schemas.openxmlformats.org/presentationml/2006/main" show="0">
   <p:cSld>
     <p:spTree>
       <p:nvGrpSpPr>
@@ -5359,7 +5571,7 @@
         </p:nvSpPr>
         <p:spPr>
           <a:xfrm>
-            <a:off x="-184855" y="-186326"/>
+            <a:off x="-42278" y="-476250"/>
             <a:ext cx="9906000" cy="10763250"/>
           </a:xfrm>
           <a:prstGeom prst="rect">
@@ -5443,7 +5655,7 @@
         </p:nvSpPr>
         <p:spPr>
           <a:xfrm>
-            <a:off x="990690" y="2910463"/>
+            <a:off x="976167" y="2220384"/>
             <a:ext cx="7840064" cy="638175"/>
           </a:xfrm>
           <a:prstGeom prst="rect">
@@ -5462,7 +5674,7 @@
               </a:lnSpc>
             </a:pPr>
             <a:r>
-              <a:rPr lang="en-US" sz="4200" spc="420">
+              <a:rPr lang="en-US" sz="4200" spc="420" dirty="0">
                 <a:solidFill>
                   <a:srgbClr val="2C341F"/>
                 </a:solidFill>
@@ -5511,7 +5723,7 @@
         </p:nvSpPr>
         <p:spPr>
           <a:xfrm>
-            <a:off x="1028700" y="4224913"/>
+            <a:off x="971685" y="3567688"/>
             <a:ext cx="7840064" cy="1276350"/>
           </a:xfrm>
           <a:prstGeom prst="rect">
@@ -5530,7 +5742,7 @@
               </a:lnSpc>
             </a:pPr>
             <a:r>
-              <a:rPr lang="en-US" sz="4200" spc="420">
+              <a:rPr lang="en-US" sz="4200" spc="420" dirty="0">
                 <a:solidFill>
                   <a:srgbClr val="2C341F"/>
                 </a:solidFill>
@@ -5549,15 +5761,15 @@
         </p:nvSpPr>
         <p:spPr>
           <a:xfrm>
-            <a:off x="1028700" y="6413236"/>
-            <a:ext cx="7840064" cy="638175"/>
+            <a:off x="956445" y="5488827"/>
+            <a:ext cx="8286705" cy="638175"/>
           </a:xfrm>
           <a:prstGeom prst="rect">
             <a:avLst/>
           </a:prstGeom>
         </p:spPr>
         <p:txBody>
-          <a:bodyPr lIns="0" tIns="0" rIns="0" bIns="0" rtlCol="0" anchor="t">
+          <a:bodyPr wrap="square" lIns="0" tIns="0" rIns="0" bIns="0" rtlCol="0" anchor="t">
             <a:spAutoFit/>
           </a:bodyPr>
           <a:lstStyle/>
@@ -5568,7 +5780,7 @@
               </a:lnSpc>
             </a:pPr>
             <a:r>
-              <a:rPr lang="en-US" sz="4200" spc="420">
+              <a:rPr lang="en-US" sz="4200" spc="420" dirty="0">
                 <a:solidFill>
                   <a:srgbClr val="2C341F"/>
                 </a:solidFill>
@@ -5587,7 +5799,7 @@
         </p:nvSpPr>
         <p:spPr>
           <a:xfrm>
-            <a:off x="1009695" y="7963384"/>
+            <a:off x="990690" y="6902497"/>
             <a:ext cx="7802054" cy="1276350"/>
           </a:xfrm>
           <a:prstGeom prst="rect">
@@ -5606,7 +5818,7 @@
               </a:lnSpc>
             </a:pPr>
             <a:r>
-              <a:rPr lang="en-US" sz="4200" spc="420">
+              <a:rPr lang="en-US" sz="4200" spc="420" dirty="0">
                 <a:solidFill>
                   <a:srgbClr val="2C341F"/>
                 </a:solidFill>
@@ -5625,7 +5837,7 @@
         </p:nvSpPr>
         <p:spPr>
           <a:xfrm>
-            <a:off x="990690" y="960012"/>
+            <a:off x="973119" y="351149"/>
             <a:ext cx="7584596" cy="1276350"/>
           </a:xfrm>
           <a:prstGeom prst="rect">
@@ -5647,13 +5859,53 @@
               </a:spcBef>
             </a:pPr>
             <a:r>
-              <a:rPr lang="en-US" sz="4227" spc="422">
+              <a:rPr lang="en-US" sz="4227" spc="422" dirty="0">
                 <a:solidFill>
                   <a:srgbClr val="2C341F"/>
                 </a:solidFill>
                 <a:latin typeface="Montserrat Light"/>
               </a:rPr>
               <a:t>DATA INSTANCES FROM INDIA</a:t>
+            </a:r>
+          </a:p>
+        </p:txBody>
+      </p:sp>
+      <p:sp>
+        <p:nvSpPr>
+          <p:cNvPr id="11" name="TextBox 10">
+            <a:extLst>
+              <a:ext uri="{FF2B5EF4-FFF2-40B4-BE49-F238E27FC236}">
+                <a16:creationId xmlns:a16="http://schemas.microsoft.com/office/drawing/2014/main" id="{572C6F14-D2EF-8531-97EA-D12CEBB96F5D}"/>
+              </a:ext>
+            </a:extLst>
+          </p:cNvPr>
+          <p:cNvSpPr txBox="1"/>
+          <p:nvPr/>
+        </p:nvSpPr>
+        <p:spPr>
+          <a:xfrm>
+            <a:off x="910222" y="8705366"/>
+            <a:ext cx="8001000" cy="738664"/>
+          </a:xfrm>
+          <a:prstGeom prst="rect">
+            <a:avLst/>
+          </a:prstGeom>
+          <a:noFill/>
+        </p:spPr>
+        <p:txBody>
+          <a:bodyPr wrap="square" rtlCol="0">
+            <a:spAutoFit/>
+          </a:bodyPr>
+          <a:lstStyle/>
+          <a:p>
+            <a:r>
+              <a:rPr lang="en-US" sz="4200" spc="420" dirty="0">
+                <a:solidFill>
+                  <a:srgbClr val="2C341F"/>
+                </a:solidFill>
+                <a:latin typeface="Montserrat Light"/>
+              </a:rPr>
+              <a:t>HYPOTHESIS?</a:t>
             </a:r>
           </a:p>
         </p:txBody>
@@ -6264,7 +6516,7 @@
               </a:lnSpc>
             </a:pPr>
             <a:r>
-              <a:rPr lang="en-US" sz="10000" spc="300">
+              <a:rPr lang="en-US" sz="10000" spc="300" dirty="0">
                 <a:solidFill>
                   <a:srgbClr val="FFFFFF"/>
                 </a:solidFill>
